--- a/7. Coffee Sales Analysis/Coffee_Sales_Analysis_Presentation (1).pptx
+++ b/7. Coffee Sales Analysis/Coffee_Sales_Analysis_Presentation (1).pptx
@@ -312,7 +312,7 @@
           <a:p>
             <a:fld id="{5BCAD085-E8A6-8845-BD4E-CB4CCA059FC4}" type="datetimeFigureOut">
               <a:rPr lang="en-US" smtClean="0"/>
-              <a:t>10/7/2025</a:t>
+              <a:t>10/30/2025</a:t>
             </a:fld>
             <a:endParaRPr lang="en-US"/>
           </a:p>
@@ -480,7 +480,7 @@
           <a:p>
             <a:fld id="{5BCAD085-E8A6-8845-BD4E-CB4CCA059FC4}" type="datetimeFigureOut">
               <a:rPr lang="en-US" smtClean="0"/>
-              <a:t>10/7/2025</a:t>
+              <a:t>10/30/2025</a:t>
             </a:fld>
             <a:endParaRPr lang="en-US"/>
           </a:p>
@@ -658,7 +658,7 @@
           <a:p>
             <a:fld id="{5BCAD085-E8A6-8845-BD4E-CB4CCA059FC4}" type="datetimeFigureOut">
               <a:rPr lang="en-US" smtClean="0"/>
-              <a:t>10/7/2025</a:t>
+              <a:t>10/30/2025</a:t>
             </a:fld>
             <a:endParaRPr lang="en-US"/>
           </a:p>
@@ -826,7 +826,7 @@
           <a:p>
             <a:fld id="{5BCAD085-E8A6-8845-BD4E-CB4CCA059FC4}" type="datetimeFigureOut">
               <a:rPr lang="en-US" smtClean="0"/>
-              <a:t>10/7/2025</a:t>
+              <a:t>10/30/2025</a:t>
             </a:fld>
             <a:endParaRPr lang="en-US"/>
           </a:p>
@@ -1071,7 +1071,7 @@
           <a:p>
             <a:fld id="{5BCAD085-E8A6-8845-BD4E-CB4CCA059FC4}" type="datetimeFigureOut">
               <a:rPr lang="en-US" smtClean="0"/>
-              <a:t>10/7/2025</a:t>
+              <a:t>10/30/2025</a:t>
             </a:fld>
             <a:endParaRPr lang="en-US"/>
           </a:p>
@@ -1356,7 +1356,7 @@
           <a:p>
             <a:fld id="{5BCAD085-E8A6-8845-BD4E-CB4CCA059FC4}" type="datetimeFigureOut">
               <a:rPr lang="en-US" smtClean="0"/>
-              <a:t>10/7/2025</a:t>
+              <a:t>10/30/2025</a:t>
             </a:fld>
             <a:endParaRPr lang="en-US"/>
           </a:p>
@@ -1775,7 +1775,7 @@
           <a:p>
             <a:fld id="{5BCAD085-E8A6-8845-BD4E-CB4CCA059FC4}" type="datetimeFigureOut">
               <a:rPr lang="en-US" smtClean="0"/>
-              <a:t>10/7/2025</a:t>
+              <a:t>10/30/2025</a:t>
             </a:fld>
             <a:endParaRPr lang="en-US"/>
           </a:p>
@@ -1892,7 +1892,7 @@
           <a:p>
             <a:fld id="{5BCAD085-E8A6-8845-BD4E-CB4CCA059FC4}" type="datetimeFigureOut">
               <a:rPr lang="en-US" smtClean="0"/>
-              <a:t>10/7/2025</a:t>
+              <a:t>10/30/2025</a:t>
             </a:fld>
             <a:endParaRPr lang="en-US"/>
           </a:p>
@@ -1987,7 +1987,7 @@
           <a:p>
             <a:fld id="{5BCAD085-E8A6-8845-BD4E-CB4CCA059FC4}" type="datetimeFigureOut">
               <a:rPr lang="en-US" smtClean="0"/>
-              <a:t>10/7/2025</a:t>
+              <a:t>10/30/2025</a:t>
             </a:fld>
             <a:endParaRPr lang="en-US"/>
           </a:p>
@@ -2262,7 +2262,7 @@
           <a:p>
             <a:fld id="{5BCAD085-E8A6-8845-BD4E-CB4CCA059FC4}" type="datetimeFigureOut">
               <a:rPr lang="en-US" smtClean="0"/>
-              <a:t>10/7/2025</a:t>
+              <a:t>10/30/2025</a:t>
             </a:fld>
             <a:endParaRPr lang="en-US"/>
           </a:p>
@@ -2514,7 +2514,7 @@
           <a:p>
             <a:fld id="{5BCAD085-E8A6-8845-BD4E-CB4CCA059FC4}" type="datetimeFigureOut">
               <a:rPr lang="en-US" smtClean="0"/>
-              <a:t>10/7/2025</a:t>
+              <a:t>10/30/2025</a:t>
             </a:fld>
             <a:endParaRPr lang="en-US"/>
           </a:p>
@@ -2725,7 +2725,7 @@
           <a:p>
             <a:fld id="{5BCAD085-E8A6-8845-BD4E-CB4CCA059FC4}" type="datetimeFigureOut">
               <a:rPr lang="en-US" smtClean="0"/>
-              <a:t>10/7/2025</a:t>
+              <a:t>10/30/2025</a:t>
             </a:fld>
             <a:endParaRPr lang="en-US"/>
           </a:p>
@@ -3208,30 +3208,67 @@
           <a:bodyPr/>
           <a:lstStyle/>
           <a:p>
-            <a:endParaRPr/>
-          </a:p>
-          <a:p>
-            <a:r>
-              <a:t>• Model Used: Linear Regression (PySpark ML)</a:t>
-            </a:r>
-          </a:p>
-          <a:p>
-            <a:r>
-              <a:t>• Features: hour_of_day, Weekdaysort</a:t>
-            </a:r>
-          </a:p>
-          <a:p>
-            <a:r>
+            <a:endParaRPr dirty="0"/>
+          </a:p>
+          <a:p>
+            <a:pPr marL="0" indent="0">
+              <a:buNone/>
+            </a:pPr>
+            <a:r>
+              <a:rPr dirty="0"/>
+              <a:t>• Model Used: Linear Regression (</a:t>
+            </a:r>
+            <a:r>
+              <a:rPr dirty="0" err="1"/>
+              <a:t>PySpark</a:t>
+            </a:r>
+            <a:r>
+              <a:rPr dirty="0"/>
+              <a:t> ML)</a:t>
+            </a:r>
+          </a:p>
+          <a:p>
+            <a:pPr marL="0" indent="0">
+              <a:buNone/>
+            </a:pPr>
+            <a:r>
+              <a:rPr dirty="0"/>
+              <a:t>• Features: </a:t>
+            </a:r>
+            <a:r>
+              <a:rPr dirty="0" err="1"/>
+              <a:t>hour_of_day</a:t>
+            </a:r>
+            <a:r>
+              <a:rPr dirty="0"/>
+              <a:t>, </a:t>
+            </a:r>
+            <a:r>
+              <a:rPr dirty="0" err="1"/>
+              <a:t>Weekdaysort</a:t>
+            </a:r>
+            <a:endParaRPr dirty="0"/>
+          </a:p>
+          <a:p>
+            <a:pPr marL="0" indent="0">
+              <a:buNone/>
+            </a:pPr>
+            <a:r>
+              <a:rPr dirty="0"/>
               <a:t>• R² = 0.0588 | RMSE = 4.67</a:t>
             </a:r>
           </a:p>
           <a:p>
-            <a:r>
+            <a:pPr marL="0" indent="0">
+              <a:buNone/>
+            </a:pPr>
+            <a:r>
+              <a:rPr dirty="0"/>
               <a:t>• Time of day slightly influences sales, though the model has low predictive strength.</a:t>
             </a:r>
           </a:p>
           <a:p>
-            <a:endParaRPr/>
+            <a:endParaRPr dirty="0"/>
           </a:p>
         </p:txBody>
       </p:sp>
@@ -3294,49 +3331,77 @@
         <p:spPr/>
         <p:txBody>
           <a:bodyPr>
-            <a:normAutofit fontScale="92500" lnSpcReduction="20000"/>
+            <a:normAutofit fontScale="92500" lnSpcReduction="10000"/>
           </a:bodyPr>
           <a:lstStyle/>
           <a:p>
-            <a:endParaRPr/>
-          </a:p>
-          <a:p>
-            <a:r>
+            <a:endParaRPr dirty="0"/>
+          </a:p>
+          <a:p>
+            <a:pPr marL="0" indent="0">
+              <a:buNone/>
+            </a:pPr>
+            <a:r>
+              <a:rPr dirty="0"/>
               <a:t>• Latte and Americano with Milk are the best sellers.</a:t>
             </a:r>
           </a:p>
           <a:p>
-            <a:r>
+            <a:pPr marL="0" indent="0">
+              <a:buNone/>
+            </a:pPr>
+            <a:r>
+              <a:rPr dirty="0"/>
               <a:t>• Sales peak in the mid-morning and late afternoon.</a:t>
             </a:r>
           </a:p>
           <a:p>
-            <a:r>
+            <a:pPr marL="0" indent="0">
+              <a:buNone/>
+            </a:pPr>
+            <a:r>
+              <a:rPr dirty="0"/>
               <a:t>• All transactions are digital (card-based).</a:t>
             </a:r>
           </a:p>
           <a:p>
-            <a:r>
+            <a:pPr marL="0" indent="0">
+              <a:buNone/>
+            </a:pPr>
+            <a:r>
+              <a:rPr dirty="0"/>
               <a:t>• Recommendations:</a:t>
             </a:r>
           </a:p>
           <a:p>
-            <a:r>
+            <a:pPr marL="0" indent="0">
+              <a:buNone/>
+            </a:pPr>
+            <a:r>
+              <a:rPr dirty="0"/>
               <a:t>  - Offer discounts during peak hours.</a:t>
             </a:r>
           </a:p>
           <a:p>
-            <a:r>
+            <a:pPr marL="0" indent="0">
+              <a:buNone/>
+            </a:pPr>
+            <a:r>
+              <a:rPr dirty="0"/>
               <a:t>  - Introduce combo offers for top beverages.</a:t>
             </a:r>
           </a:p>
           <a:p>
-            <a:r>
+            <a:pPr marL="0" indent="0">
+              <a:buNone/>
+            </a:pPr>
+            <a:r>
+              <a:rPr dirty="0"/>
               <a:t>  - Plan staffing based on sales heatmap trends.</a:t>
             </a:r>
           </a:p>
           <a:p>
-            <a:endParaRPr/>
+            <a:endParaRPr dirty="0"/>
           </a:p>
         </p:txBody>
       </p:sp>
@@ -3381,6 +3446,7 @@
           <a:lstStyle/>
           <a:p>
             <a:r>
+              <a:rPr dirty="0"/>
               <a:t>1. Introduction</a:t>
             </a:r>
           </a:p>
@@ -3403,25 +3469,45 @@
           </a:bodyPr>
           <a:lstStyle/>
           <a:p>
-            <a:endParaRPr/>
-          </a:p>
-          <a:p>
-            <a:r>
-              <a:t>• The project analyzes coffee shop sales data using PySpark for distributed processing.</a:t>
-            </a:r>
-          </a:p>
-          <a:p>
-            <a:r>
+            <a:endParaRPr dirty="0"/>
+          </a:p>
+          <a:p>
+            <a:pPr marL="0" indent="0">
+              <a:buNone/>
+            </a:pPr>
+            <a:r>
+              <a:rPr dirty="0"/>
+              <a:t>• The project analyzes coffee shop sales data using </a:t>
+            </a:r>
+            <a:r>
+              <a:rPr dirty="0" err="1"/>
+              <a:t>PySpark</a:t>
+            </a:r>
+            <a:r>
+              <a:rPr dirty="0"/>
+              <a:t> for distributed processing.</a:t>
+            </a:r>
+          </a:p>
+          <a:p>
+            <a:pPr marL="0" indent="0">
+              <a:buNone/>
+            </a:pPr>
+            <a:r>
+              <a:rPr dirty="0"/>
               <a:t>• Matplotlib is used for visualizations to reveal key insights on revenue trends, customer behavior, and coffee preferences.</a:t>
             </a:r>
           </a:p>
           <a:p>
-            <a:r>
+            <a:pPr marL="0" indent="0">
+              <a:buNone/>
+            </a:pPr>
+            <a:r>
+              <a:rPr dirty="0"/>
               <a:t>• The analysis identifies top-performing beverages, high-sales hours, and payment methods.</a:t>
             </a:r>
           </a:p>
           <a:p>
-            <a:endParaRPr/>
+            <a:endParaRPr dirty="0"/>
           </a:p>
         </p:txBody>
       </p:sp>
@@ -3488,50 +3574,127 @@
           </a:bodyPr>
           <a:lstStyle/>
           <a:p>
-            <a:endParaRPr/>
-          </a:p>
-          <a:p>
-            <a:r>
+            <a:endParaRPr dirty="0"/>
+          </a:p>
+          <a:p>
+            <a:pPr marL="0" indent="0">
+              <a:buNone/>
+            </a:pPr>
+            <a:r>
+              <a:rPr dirty="0"/>
               <a:t>• Total Records: 3,547 transactions</a:t>
             </a:r>
           </a:p>
           <a:p>
-            <a:r>
+            <a:pPr marL="0" indent="0">
+              <a:buNone/>
+            </a:pPr>
+            <a:r>
+              <a:rPr dirty="0"/>
               <a:t>• Key Columns:</a:t>
             </a:r>
           </a:p>
           <a:p>
-            <a:r>
-              <a:t>  - hour_of_day (hour of purchase)</a:t>
-            </a:r>
-          </a:p>
-          <a:p>
-            <a:r>
-              <a:t>  - cash_type (payment mode)</a:t>
-            </a:r>
-          </a:p>
-          <a:p>
-            <a:r>
+            <a:pPr marL="0" indent="0">
+              <a:buNone/>
+            </a:pPr>
+            <a:r>
+              <a:rPr dirty="0"/>
+              <a:t> </a:t>
+            </a:r>
+            <a:r>
+              <a:rPr lang="en-IN" dirty="0"/>
+              <a:t> </a:t>
+            </a:r>
+            <a:r>
+              <a:rPr dirty="0"/>
+              <a:t>- </a:t>
+            </a:r>
+            <a:r>
+              <a:rPr dirty="0" err="1"/>
+              <a:t>hour_of_day</a:t>
+            </a:r>
+            <a:r>
+              <a:rPr dirty="0"/>
+              <a:t> (hour of purchase)</a:t>
+            </a:r>
+          </a:p>
+          <a:p>
+            <a:pPr marL="0" indent="0">
+              <a:buNone/>
+            </a:pPr>
+            <a:r>
+              <a:rPr dirty="0"/>
+              <a:t>  - </a:t>
+            </a:r>
+            <a:r>
+              <a:rPr dirty="0" err="1"/>
+              <a:t>cash_type</a:t>
+            </a:r>
+            <a:r>
+              <a:rPr dirty="0"/>
+              <a:t> (payment mode)</a:t>
+            </a:r>
+          </a:p>
+          <a:p>
+            <a:pPr marL="0" indent="0">
+              <a:buNone/>
+            </a:pPr>
+            <a:r>
+              <a:rPr dirty="0"/>
               <a:t>  - money (transaction amount)</a:t>
             </a:r>
           </a:p>
           <a:p>
-            <a:r>
-              <a:t>  - coffee_name (type of coffee)</a:t>
-            </a:r>
-          </a:p>
-          <a:p>
-            <a:r>
-              <a:t>  - Time_of_Day, Weekday, Month_name</a:t>
-            </a:r>
-          </a:p>
-          <a:p>
-            <a:r>
+            <a:pPr marL="0" indent="0">
+              <a:buNone/>
+            </a:pPr>
+            <a:r>
+              <a:rPr dirty="0"/>
+              <a:t>  - </a:t>
+            </a:r>
+            <a:r>
+              <a:rPr dirty="0" err="1"/>
+              <a:t>coffee_name</a:t>
+            </a:r>
+            <a:r>
+              <a:rPr dirty="0"/>
+              <a:t> (type of coffee)</a:t>
+            </a:r>
+          </a:p>
+          <a:p>
+            <a:pPr marL="0" indent="0">
+              <a:buNone/>
+            </a:pPr>
+            <a:r>
+              <a:rPr dirty="0"/>
+              <a:t>  - </a:t>
+            </a:r>
+            <a:r>
+              <a:rPr dirty="0" err="1"/>
+              <a:t>Time_of_Day</a:t>
+            </a:r>
+            <a:r>
+              <a:rPr dirty="0"/>
+              <a:t>, Weekday, </a:t>
+            </a:r>
+            <a:r>
+              <a:rPr dirty="0" err="1"/>
+              <a:t>Month_name</a:t>
+            </a:r>
+            <a:endParaRPr dirty="0"/>
+          </a:p>
+          <a:p>
+            <a:pPr marL="0" indent="0">
+              <a:buNone/>
+            </a:pPr>
+            <a:r>
+              <a:rPr dirty="0"/>
               <a:t>• The dataset is clean and ready for analysis.</a:t>
             </a:r>
           </a:p>
           <a:p>
-            <a:endParaRPr/>
+            <a:endParaRPr dirty="0"/>
           </a:p>
         </p:txBody>
       </p:sp>
@@ -3594,49 +3757,77 @@
         <p:spPr/>
         <p:txBody>
           <a:bodyPr>
-            <a:normAutofit fontScale="92500"/>
+            <a:normAutofit lnSpcReduction="10000"/>
           </a:bodyPr>
           <a:lstStyle/>
           <a:p>
-            <a:endParaRPr/>
-          </a:p>
-          <a:p>
-            <a:r>
+            <a:endParaRPr dirty="0"/>
+          </a:p>
+          <a:p>
+            <a:pPr marL="0" indent="0">
+              <a:buNone/>
+            </a:pPr>
+            <a:r>
+              <a:rPr dirty="0"/>
               <a:t>• Total Revenue: $112,245.58</a:t>
             </a:r>
           </a:p>
           <a:p>
-            <a:r>
+            <a:pPr marL="0" indent="0">
+              <a:buNone/>
+            </a:pPr>
+            <a:r>
+              <a:rPr dirty="0"/>
               <a:t>• Average Spend: $31.65 per transaction</a:t>
             </a:r>
           </a:p>
           <a:p>
-            <a:r>
+            <a:pPr marL="0" indent="0">
+              <a:buNone/>
+            </a:pPr>
+            <a:r>
+              <a:rPr dirty="0"/>
               <a:t>• Top Coffees by Revenue:</a:t>
             </a:r>
           </a:p>
           <a:p>
-            <a:r>
+            <a:pPr marL="0" indent="0">
+              <a:buNone/>
+            </a:pPr>
+            <a:r>
+              <a:rPr dirty="0"/>
               <a:t>  1. Latte – $26,875</a:t>
             </a:r>
           </a:p>
           <a:p>
-            <a:r>
+            <a:pPr marL="0" indent="0">
+              <a:buNone/>
+            </a:pPr>
+            <a:r>
+              <a:rPr dirty="0"/>
               <a:t>  2. Americano with Milk – $24,751</a:t>
             </a:r>
           </a:p>
           <a:p>
-            <a:r>
+            <a:pPr marL="0" indent="0">
+              <a:buNone/>
+            </a:pPr>
+            <a:r>
+              <a:rPr dirty="0"/>
               <a:t>  3. Cappuccino – $17,439</a:t>
             </a:r>
           </a:p>
           <a:p>
-            <a:r>
+            <a:pPr marL="0" indent="0">
+              <a:buNone/>
+            </a:pPr>
+            <a:r>
+              <a:rPr dirty="0"/>
               <a:t>• Milk-based beverages dominate overall sales.</a:t>
             </a:r>
           </a:p>
           <a:p>
-            <a:endParaRPr/>
+            <a:endParaRPr dirty="0"/>
           </a:p>
         </p:txBody>
       </p:sp>
@@ -3703,30 +3894,46 @@
           </a:bodyPr>
           <a:lstStyle/>
           <a:p>
-            <a:endParaRPr/>
-          </a:p>
-          <a:p>
-            <a:r>
-              <a:t>• Peak sales hours: 10 AM, 11 AM, 4 PM, and 7 PM.</a:t>
-            </a:r>
-          </a:p>
-          <a:p>
-            <a:r>
+            <a:endParaRPr dirty="0"/>
+          </a:p>
+          <a:p>
+            <a:pPr marL="0" indent="0">
+              <a:buNone/>
+            </a:pPr>
+            <a:r>
+              <a:rPr dirty="0"/>
+              <a:t>• Peak sales hours: 10 AM, 11 AM, 4 PM, and 7PM.</a:t>
+            </a:r>
+          </a:p>
+          <a:p>
+            <a:pPr marL="0" indent="0">
+              <a:buNone/>
+            </a:pPr>
+            <a:r>
+              <a:rPr dirty="0"/>
               <a:t>• Morning (10–11 AM) and Afternoon (4 PM) show highest customer traffic.</a:t>
             </a:r>
           </a:p>
           <a:p>
-            <a:r>
+            <a:pPr marL="0" indent="0">
+              <a:buNone/>
+            </a:pPr>
+            <a:r>
+              <a:rPr dirty="0"/>
               <a:t>• Tuesday records the highest revenue among weekdays.</a:t>
             </a:r>
           </a:p>
           <a:p>
-            <a:r>
+            <a:pPr marL="0" indent="0">
+              <a:buNone/>
+            </a:pPr>
+            <a:r>
+              <a:rPr dirty="0"/>
               <a:t>• October and March are top-performing months.</a:t>
             </a:r>
           </a:p>
           <a:p>
-            <a:endParaRPr/>
+            <a:endParaRPr dirty="0"/>
           </a:p>
         </p:txBody>
       </p:sp>
@@ -3796,6 +4003,9 @@
             <a:endParaRPr dirty="0"/>
           </a:p>
           <a:p>
+            <a:pPr marL="0" indent="0">
+              <a:buNone/>
+            </a:pPr>
             <a:r>
               <a:rPr dirty="0"/>
               <a:t>• Bar Chart – Total Sales by Coffee Type</a:t>
